--- a/Machine Learning.pptx
+++ b/Machine Learning.pptx
@@ -223,7 +223,7 @@
           <a:p>
             <a:fld id="{6AC4FB8F-ED15-48AB-97BD-17129D4E699D}" type="datetimeFigureOut">
               <a:rPr lang="en-US" smtClean="0"/>
-              <a:t>3/1/2020</a:t>
+              <a:t>3/2/2020</a:t>
             </a:fld>
             <a:endParaRPr lang="en-US" dirty="0"/>
           </a:p>
@@ -388,7 +388,7 @@
           <a:p>
             <a:fld id="{BBC9D437-CD83-4825-AD0D-5E7B341BC79B}" type="datetimeFigureOut">
               <a:rPr lang="en-US" smtClean="0"/>
-              <a:t>3/1/2020</a:t>
+              <a:t>3/2/2020</a:t>
             </a:fld>
             <a:endParaRPr lang="en-US" dirty="0"/>
           </a:p>
@@ -814,7 +814,7 @@
           <a:p>
             <a:fld id="{DD2465DD-9819-4ABC-A784-477AFBA19C86}" type="datetime1">
               <a:rPr lang="en-US" smtClean="0"/>
-              <a:t>3/1/2020</a:t>
+              <a:t>3/2/2020</a:t>
             </a:fld>
             <a:endParaRPr lang="en-US" dirty="0"/>
           </a:p>
@@ -999,7 +999,7 @@
           <a:p>
             <a:fld id="{0161E545-DA4D-4588-A168-A47EEF327FC2}" type="datetime1">
               <a:rPr lang="en-US" smtClean="0"/>
-              <a:t>3/1/2020</a:t>
+              <a:t>3/2/2020</a:t>
             </a:fld>
             <a:endParaRPr lang="en-US" dirty="0"/>
           </a:p>
@@ -1197,7 +1197,7 @@
           <a:p>
             <a:fld id="{8FB26042-7092-4D96-B3CE-E8E6CFEE88C8}" type="datetime1">
               <a:rPr lang="en-US" smtClean="0"/>
-              <a:t>3/1/2020</a:t>
+              <a:t>3/2/2020</a:t>
             </a:fld>
             <a:endParaRPr lang="en-US" dirty="0"/>
           </a:p>
@@ -1391,7 +1391,7 @@
           <a:p>
             <a:fld id="{9729644A-97F2-4BC4-BBF7-FC141F507563}" type="datetime1">
               <a:rPr lang="en-US" smtClean="0"/>
-              <a:t>3/1/2020</a:t>
+              <a:t>3/2/2020</a:t>
             </a:fld>
             <a:endParaRPr lang="en-US" dirty="0"/>
           </a:p>
@@ -1880,7 +1880,7 @@
           <a:p>
             <a:fld id="{72104EB7-77EC-481E-BDC6-73CA182AC952}" type="datetime1">
               <a:rPr lang="en-US" smtClean="0"/>
-              <a:t>3/1/2020</a:t>
+              <a:t>3/2/2020</a:t>
             </a:fld>
             <a:endParaRPr lang="en-US" dirty="0"/>
           </a:p>
@@ -2318,7 +2318,7 @@
           <a:p>
             <a:fld id="{A0016069-A392-4E44-934F-6743D63E2A4F}" type="datetime1">
               <a:rPr lang="en-US" smtClean="0"/>
-              <a:t>3/1/2020</a:t>
+              <a:t>3/2/2020</a:t>
             </a:fld>
             <a:endParaRPr lang="en-US" dirty="0"/>
           </a:p>
@@ -2451,7 +2451,7 @@
           <a:p>
             <a:fld id="{781F9843-3551-47D6-BD3E-346FBDF458AF}" type="datetime1">
               <a:rPr lang="en-US" smtClean="0"/>
-              <a:t>3/1/2020</a:t>
+              <a:t>3/2/2020</a:t>
             </a:fld>
             <a:endParaRPr lang="en-US" dirty="0"/>
           </a:p>
@@ -2561,7 +2561,7 @@
           <a:p>
             <a:fld id="{B68C2989-19D5-42F7-8321-FE6B75231AF4}" type="datetime1">
               <a:rPr lang="en-US" smtClean="0"/>
-              <a:t>3/1/2020</a:t>
+              <a:t>3/2/2020</a:t>
             </a:fld>
             <a:endParaRPr lang="en-US" dirty="0"/>
           </a:p>
@@ -2875,7 +2875,7 @@
           <a:p>
             <a:fld id="{20F9C03C-1F27-412D-AD0B-6423348F1B9B}" type="datetime1">
               <a:rPr lang="en-US" smtClean="0"/>
-              <a:t>3/1/2020</a:t>
+              <a:t>3/2/2020</a:t>
             </a:fld>
             <a:endParaRPr lang="en-US" dirty="0"/>
           </a:p>
@@ -3392,7 +3392,7 @@
           <a:p>
             <a:fld id="{619CFDC2-5630-4611-9BF0-0EF7C8C4398D}" type="datetime1">
               <a:rPr lang="en-US" smtClean="0"/>
-              <a:t>3/1/2020</a:t>
+              <a:t>3/2/2020</a:t>
             </a:fld>
             <a:endParaRPr lang="en-US" dirty="0"/>
           </a:p>
@@ -5155,84 +5155,55 @@
           <a:p>
             <a:r>
               <a:rPr lang="en-US" dirty="0"/>
-              <a:t>Add a Slide Title - 2</a:t>
-            </a:r>
-          </a:p>
-        </p:txBody>
-      </p:sp>
-      <p:sp>
-        <p:nvSpPr>
-          <p:cNvPr id="3" name="Text Placeholder 2"/>
-          <p:cNvSpPr>
-            <a:spLocks noGrp="1"/>
-          </p:cNvSpPr>
-          <p:nvPr>
-            <p:ph type="body" idx="1"/>
-          </p:nvPr>
-        </p:nvSpPr>
-        <p:spPr/>
-        <p:txBody>
-          <a:bodyPr/>
+              <a:t>TYPES of Machine learning</a:t>
+            </a:r>
+          </a:p>
+        </p:txBody>
+      </p:sp>
+      <p:sp>
+        <p:nvSpPr>
+          <p:cNvPr id="6" name="Content Placeholder 5"/>
+          <p:cNvSpPr>
+            <a:spLocks noGrp="1"/>
+          </p:cNvSpPr>
+          <p:nvPr>
+            <p:ph sz="quarter" idx="4"/>
+          </p:nvPr>
+        </p:nvSpPr>
+        <p:spPr>
+          <a:xfrm>
+            <a:off x="2112885" y="1757779"/>
+            <a:ext cx="9240915" cy="4719221"/>
+          </a:xfrm>
+        </p:spPr>
+        <p:txBody>
+          <a:bodyPr>
+            <a:normAutofit/>
+          </a:bodyPr>
           <a:lstStyle/>
           <a:p>
-            <a:endParaRPr lang="en-US" dirty="0"/>
-          </a:p>
-        </p:txBody>
-      </p:sp>
-      <p:sp>
-        <p:nvSpPr>
-          <p:cNvPr id="4" name="Content Placeholder 3"/>
-          <p:cNvSpPr>
-            <a:spLocks noGrp="1"/>
-          </p:cNvSpPr>
-          <p:nvPr>
-            <p:ph sz="half" idx="2"/>
-          </p:nvPr>
-        </p:nvSpPr>
-        <p:spPr/>
-        <p:txBody>
-          <a:bodyPr/>
-          <a:lstStyle/>
-          <a:p>
-            <a:endParaRPr lang="en-US" dirty="0"/>
-          </a:p>
-        </p:txBody>
-      </p:sp>
-      <p:sp>
-        <p:nvSpPr>
-          <p:cNvPr id="5" name="Text Placeholder 4"/>
-          <p:cNvSpPr>
-            <a:spLocks noGrp="1"/>
-          </p:cNvSpPr>
-          <p:nvPr>
-            <p:ph type="body" sz="quarter" idx="3"/>
-          </p:nvPr>
-        </p:nvSpPr>
-        <p:spPr/>
-        <p:txBody>
-          <a:bodyPr/>
-          <a:lstStyle/>
-          <a:p>
-            <a:endParaRPr lang="en-US" dirty="0"/>
-          </a:p>
-        </p:txBody>
-      </p:sp>
-      <p:sp>
-        <p:nvSpPr>
-          <p:cNvPr id="6" name="Content Placeholder 5"/>
-          <p:cNvSpPr>
-            <a:spLocks noGrp="1"/>
-          </p:cNvSpPr>
-          <p:nvPr>
-            <p:ph sz="quarter" idx="4"/>
-          </p:nvPr>
-        </p:nvSpPr>
-        <p:spPr/>
-        <p:txBody>
-          <a:bodyPr/>
-          <a:lstStyle/>
-          <a:p>
-            <a:endParaRPr lang="en-US" dirty="0"/>
+            <a:r>
+              <a:rPr lang="en-US" sz="4800" dirty="0"/>
+              <a:t>Supervised Learning.</a:t>
+            </a:r>
+          </a:p>
+          <a:p>
+            <a:r>
+              <a:rPr lang="en-US" sz="4800" dirty="0"/>
+              <a:t>Unsupervised Learning.</a:t>
+            </a:r>
+          </a:p>
+          <a:p>
+            <a:r>
+              <a:rPr lang="en-US" sz="4800" dirty="0"/>
+              <a:t>Semi supervised Learning.</a:t>
+            </a:r>
+          </a:p>
+          <a:p>
+            <a:r>
+              <a:rPr lang="en-US" sz="4800" dirty="0"/>
+              <a:t>Reinforcement Learning.</a:t>
+            </a:r>
           </a:p>
         </p:txBody>
       </p:sp>
@@ -5295,11 +5266,82 @@
           <a:p>
             <a:r>
               <a:rPr lang="en-US" dirty="0"/>
-              <a:t>Add a Slide Title - 3</a:t>
-            </a:r>
-          </a:p>
-        </p:txBody>
-      </p:sp>
+              <a:t>Supervised Machine Learning</a:t>
+            </a:r>
+          </a:p>
+        </p:txBody>
+      </p:sp>
+      <p:sp>
+        <p:nvSpPr>
+          <p:cNvPr id="5" name="TextBox 4">
+            <a:extLst>
+              <a:ext uri="{FF2B5EF4-FFF2-40B4-BE49-F238E27FC236}">
+                <a16:creationId xmlns:a16="http://schemas.microsoft.com/office/drawing/2014/main" id="{6B2A5B9D-0277-4730-A113-D4090DCAB666}"/>
+              </a:ext>
+            </a:extLst>
+          </p:cNvPr>
+          <p:cNvSpPr txBox="1"/>
+          <p:nvPr/>
+        </p:nvSpPr>
+        <p:spPr>
+          <a:xfrm>
+            <a:off x="2139518" y="1970843"/>
+            <a:ext cx="9372600" cy="646331"/>
+          </a:xfrm>
+          <a:prstGeom prst="rect">
+            <a:avLst/>
+          </a:prstGeom>
+          <a:noFill/>
+        </p:spPr>
+        <p:txBody>
+          <a:bodyPr wrap="square" rtlCol="0">
+            <a:spAutoFit/>
+          </a:bodyPr>
+          <a:lstStyle/>
+          <a:p>
+            <a:r>
+              <a:rPr lang="en-IN" dirty="0"/>
+              <a:t>In supervised machine learning the training data will contain desired outputs. A typical example would be a spam filter.</a:t>
+            </a:r>
+          </a:p>
+        </p:txBody>
+      </p:sp>
+      <p:pic>
+        <p:nvPicPr>
+          <p:cNvPr id="7" name="Picture 6">
+            <a:extLst>
+              <a:ext uri="{FF2B5EF4-FFF2-40B4-BE49-F238E27FC236}">
+                <a16:creationId xmlns:a16="http://schemas.microsoft.com/office/drawing/2014/main" id="{C2B18938-1FF6-4817-AD87-0370099EFAA3}"/>
+              </a:ext>
+            </a:extLst>
+          </p:cNvPr>
+          <p:cNvPicPr>
+            <a:picLocks noChangeAspect="1"/>
+          </p:cNvPicPr>
+          <p:nvPr/>
+        </p:nvPicPr>
+        <p:blipFill>
+          <a:blip r:embed="rId2">
+            <a:extLst>
+              <a:ext uri="{28A0092B-C50C-407E-A947-70E740481C1C}">
+                <a14:useLocalDpi xmlns:a14="http://schemas.microsoft.com/office/drawing/2010/main" val="0"/>
+              </a:ext>
+            </a:extLst>
+          </a:blip>
+          <a:stretch>
+            <a:fillRect/>
+          </a:stretch>
+        </p:blipFill>
+        <p:spPr>
+          <a:xfrm>
+            <a:off x="3557449" y="2911617"/>
+            <a:ext cx="5734050" cy="3419475"/>
+          </a:xfrm>
+          <a:prstGeom prst="rect">
+            <a:avLst/>
+          </a:prstGeom>
+        </p:spPr>
+      </p:pic>
     </p:spTree>
     <p:extLst>
       <p:ext uri="{BB962C8B-B14F-4D97-AF65-F5344CB8AC3E}">

--- a/Machine Learning.pptx
+++ b/Machine Learning.pptx
@@ -5,10 +5,10 @@
     <p:sldMasterId id="2147483648" r:id="rId1"/>
   </p:sldMasterIdLst>
   <p:notesMasterIdLst>
-    <p:notesMasterId r:id="rId12"/>
+    <p:notesMasterId r:id="rId13"/>
   </p:notesMasterIdLst>
   <p:handoutMasterIdLst>
-    <p:handoutMasterId r:id="rId13"/>
+    <p:handoutMasterId r:id="rId14"/>
   </p:handoutMasterIdLst>
   <p:sldIdLst>
     <p:sldId id="268" r:id="rId2"/>
@@ -20,7 +20,8 @@
     <p:sldId id="274" r:id="rId8"/>
     <p:sldId id="275" r:id="rId9"/>
     <p:sldId id="277" r:id="rId10"/>
-    <p:sldId id="278" r:id="rId11"/>
+    <p:sldId id="279" r:id="rId11"/>
+    <p:sldId id="280" r:id="rId12"/>
   </p:sldIdLst>
   <p:sldSz cx="12192000" cy="6858000"/>
   <p:notesSz cx="6858000" cy="9144000"/>
@@ -3916,7 +3917,13 @@
       </p:grpSpPr>
       <p:sp>
         <p:nvSpPr>
-          <p:cNvPr id="2" name="Title 1"/>
+          <p:cNvPr id="6" name="Title 5">
+            <a:extLst>
+              <a:ext uri="{FF2B5EF4-FFF2-40B4-BE49-F238E27FC236}">
+                <a16:creationId xmlns:a16="http://schemas.microsoft.com/office/drawing/2014/main" id="{5D39C9C0-7662-429B-9846-167C2011B86F}"/>
+              </a:ext>
+            </a:extLst>
+          </p:cNvPr>
           <p:cNvSpPr>
             <a:spLocks noGrp="1"/>
           </p:cNvSpPr>
@@ -3924,53 +3931,359 @@
             <p:ph type="title"/>
           </p:nvPr>
         </p:nvSpPr>
-        <p:spPr/>
+        <p:spPr>
+          <a:xfrm>
+            <a:off x="257452" y="408993"/>
+            <a:ext cx="11102905" cy="807248"/>
+          </a:xfrm>
+        </p:spPr>
         <p:txBody>
           <a:bodyPr/>
           <a:lstStyle/>
           <a:p>
             <a:r>
-              <a:rPr lang="en-US" dirty="0"/>
-              <a:t>Add a Slide Title - 5</a:t>
-            </a:r>
-          </a:p>
-        </p:txBody>
-      </p:sp>
-      <p:sp>
-        <p:nvSpPr>
-          <p:cNvPr id="3" name="Picture Placeholder 2" descr="An empty placeholder to add an image. Click on the placeholder and select the image that you wish to add"/>
-          <p:cNvSpPr>
-            <a:spLocks noGrp="1"/>
-          </p:cNvSpPr>
-          <p:nvPr>
-            <p:ph type="pic" idx="1"/>
-          </p:nvPr>
-        </p:nvSpPr>
-        <p:spPr/>
-      </p:sp>
-      <p:sp>
-        <p:nvSpPr>
-          <p:cNvPr id="4" name="Text Placeholder 3"/>
-          <p:cNvSpPr>
-            <a:spLocks noGrp="1"/>
-          </p:cNvSpPr>
-          <p:nvPr>
-            <p:ph type="body" sz="half" idx="2"/>
-          </p:nvPr>
-        </p:nvSpPr>
-        <p:spPr/>
-        <p:txBody>
-          <a:bodyPr/>
+              <a:rPr lang="en-IN" dirty="0"/>
+              <a:t>Simple linear regression</a:t>
+            </a:r>
+          </a:p>
+        </p:txBody>
+      </p:sp>
+      <p:sp>
+        <p:nvSpPr>
+          <p:cNvPr id="7" name="TextBox 6">
+            <a:extLst>
+              <a:ext uri="{FF2B5EF4-FFF2-40B4-BE49-F238E27FC236}">
+                <a16:creationId xmlns:a16="http://schemas.microsoft.com/office/drawing/2014/main" id="{DB6146E1-943C-4CBF-AF77-035F4F43C92B}"/>
+              </a:ext>
+            </a:extLst>
+          </p:cNvPr>
+          <p:cNvSpPr txBox="1"/>
+          <p:nvPr/>
+        </p:nvSpPr>
+        <p:spPr>
+          <a:xfrm>
+            <a:off x="417250" y="1322773"/>
+            <a:ext cx="11102905" cy="1754326"/>
+          </a:xfrm>
+          <a:prstGeom prst="rect">
+            <a:avLst/>
+          </a:prstGeom>
+          <a:noFill/>
+        </p:spPr>
+        <p:txBody>
+          <a:bodyPr wrap="square" rtlCol="0">
+            <a:spAutoFit/>
+          </a:bodyPr>
           <a:lstStyle/>
           <a:p>
-            <a:endParaRPr lang="en-US" dirty="0"/>
+            <a:pPr marL="285750" indent="-285750">
+              <a:buFont typeface="Arial" panose="020B0604020202020204" pitchFamily="34" charset="0"/>
+              <a:buChar char="•"/>
+            </a:pPr>
+            <a:r>
+              <a:rPr lang="en-IN" sz="3600" dirty="0"/>
+              <a:t>Simple linear regression has one independent variable and one dependent variable. X and y.</a:t>
+            </a:r>
+          </a:p>
+          <a:p>
+            <a:endParaRPr lang="en-IN" sz="3600" dirty="0"/>
+          </a:p>
+        </p:txBody>
+      </p:sp>
+      <p:sp>
+        <p:nvSpPr>
+          <p:cNvPr id="2" name="Rectangle 1">
+            <a:extLst>
+              <a:ext uri="{FF2B5EF4-FFF2-40B4-BE49-F238E27FC236}">
+                <a16:creationId xmlns:a16="http://schemas.microsoft.com/office/drawing/2014/main" id="{7C73F6E9-1AC2-4A8F-B78E-8D2D50808E1B}"/>
+              </a:ext>
+            </a:extLst>
+          </p:cNvPr>
+          <p:cNvSpPr/>
+          <p:nvPr/>
+        </p:nvSpPr>
+        <p:spPr>
+          <a:xfrm>
+            <a:off x="3459543" y="2857572"/>
+            <a:ext cx="4698722" cy="923330"/>
+          </a:xfrm>
+          <a:prstGeom prst="rect">
+            <a:avLst/>
+          </a:prstGeom>
+          <a:noFill/>
+        </p:spPr>
+        <p:txBody>
+          <a:bodyPr wrap="none" lIns="91440" tIns="45720" rIns="91440" bIns="45720">
+            <a:spAutoFit/>
+          </a:bodyPr>
+          <a:lstStyle/>
+          <a:p>
+            <a:pPr algn="ctr"/>
+            <a:r>
+              <a:rPr lang="en-US" sz="5400" b="1" cap="none" spc="0" dirty="0">
+                <a:ln w="22225">
+                  <a:solidFill>
+                    <a:schemeClr val="accent2"/>
+                  </a:solidFill>
+                  <a:prstDash val="solid"/>
+                </a:ln>
+                <a:solidFill>
+                  <a:schemeClr val="accent2">
+                    <a:lumMod val="40000"/>
+                    <a:lumOff val="60000"/>
+                  </a:schemeClr>
+                </a:solidFill>
+                <a:effectLst/>
+              </a:rPr>
+              <a:t>Y = b0 + b1 * X1</a:t>
+            </a:r>
+          </a:p>
+        </p:txBody>
+      </p:sp>
+      <p:sp>
+        <p:nvSpPr>
+          <p:cNvPr id="3" name="TextBox 2">
+            <a:extLst>
+              <a:ext uri="{FF2B5EF4-FFF2-40B4-BE49-F238E27FC236}">
+                <a16:creationId xmlns:a16="http://schemas.microsoft.com/office/drawing/2014/main" id="{F03C8D7C-5787-44DF-838F-5E3F0A8588C7}"/>
+              </a:ext>
+            </a:extLst>
+          </p:cNvPr>
+          <p:cNvSpPr txBox="1"/>
+          <p:nvPr/>
+        </p:nvSpPr>
+        <p:spPr>
+          <a:xfrm>
+            <a:off x="417250" y="4323425"/>
+            <a:ext cx="11505461" cy="1200329"/>
+          </a:xfrm>
+          <a:prstGeom prst="rect">
+            <a:avLst/>
+          </a:prstGeom>
+          <a:noFill/>
+        </p:spPr>
+        <p:txBody>
+          <a:bodyPr wrap="square" rtlCol="0">
+            <a:spAutoFit/>
+          </a:bodyPr>
+          <a:lstStyle/>
+          <a:p>
+            <a:r>
+              <a:rPr lang="en-IN" dirty="0"/>
+              <a:t>Y =&gt; Dependent Variable.</a:t>
+            </a:r>
+          </a:p>
+          <a:p>
+            <a:r>
+              <a:rPr lang="en-IN" dirty="0"/>
+              <a:t>X =&gt; Independent Variable.</a:t>
+            </a:r>
+          </a:p>
+          <a:p>
+            <a:r>
+              <a:rPr lang="en-IN" dirty="0"/>
+              <a:t>B0 =&gt; Constant.</a:t>
+            </a:r>
+          </a:p>
+          <a:p>
+            <a:r>
+              <a:rPr lang="en-IN" dirty="0"/>
+              <a:t>B1 =&gt; Coefficient of the independent variable.</a:t>
+            </a:r>
           </a:p>
         </p:txBody>
       </p:sp>
     </p:spTree>
     <p:extLst>
       <p:ext uri="{BB962C8B-B14F-4D97-AF65-F5344CB8AC3E}">
-        <p14:creationId xmlns:p14="http://schemas.microsoft.com/office/powerpoint/2010/main" val="3822490668"/>
+        <p14:creationId xmlns:p14="http://schemas.microsoft.com/office/powerpoint/2010/main" val="4025799110"/>
+      </p:ext>
+    </p:extLst>
+  </p:cSld>
+  <p:clrMapOvr>
+    <a:masterClrMapping/>
+  </p:clrMapOvr>
+  <mc:AlternateContent xmlns:mc="http://schemas.openxmlformats.org/markup-compatibility/2006" xmlns:p14="http://schemas.microsoft.com/office/powerpoint/2010/main">
+    <mc:Choice Requires="p14">
+      <p:transition spd="med" p14:dur="700">
+        <p:fade/>
+      </p:transition>
+    </mc:Choice>
+    <mc:Fallback xmlns="">
+      <p:transition spd="med">
+        <p:fade/>
+      </p:transition>
+    </mc:Fallback>
+  </mc:AlternateContent>
+</p:sld>
+</file>
+
+<file path=ppt/slides/slide11.xml><?xml version="1.0" encoding="utf-8"?>
+<p:sld xmlns:a="http://schemas.openxmlformats.org/drawingml/2006/main" xmlns:r="http://schemas.openxmlformats.org/officeDocument/2006/relationships" xmlns:p="http://schemas.openxmlformats.org/presentationml/2006/main">
+  <p:cSld>
+    <p:spTree>
+      <p:nvGrpSpPr>
+        <p:cNvPr id="1" name=""/>
+        <p:cNvGrpSpPr/>
+        <p:nvPr/>
+      </p:nvGrpSpPr>
+      <p:grpSpPr>
+        <a:xfrm>
+          <a:off x="0" y="0"/>
+          <a:ext cx="0" cy="0"/>
+          <a:chOff x="0" y="0"/>
+          <a:chExt cx="0" cy="0"/>
+        </a:xfrm>
+      </p:grpSpPr>
+      <p:sp>
+        <p:nvSpPr>
+          <p:cNvPr id="5" name="Title 4">
+            <a:extLst>
+              <a:ext uri="{FF2B5EF4-FFF2-40B4-BE49-F238E27FC236}">
+                <a16:creationId xmlns:a16="http://schemas.microsoft.com/office/drawing/2014/main" id="{ED4852FA-5EA0-4DB5-A9C2-0088832783A0}"/>
+              </a:ext>
+            </a:extLst>
+          </p:cNvPr>
+          <p:cNvSpPr>
+            <a:spLocks noGrp="1"/>
+          </p:cNvSpPr>
+          <p:nvPr>
+            <p:ph type="title"/>
+          </p:nvPr>
+        </p:nvSpPr>
+        <p:spPr/>
+        <p:txBody>
+          <a:bodyPr/>
+          <a:lstStyle/>
+          <a:p>
+            <a:r>
+              <a:rPr lang="en-IN" dirty="0"/>
+              <a:t>Multiple linear regression</a:t>
+            </a:r>
+          </a:p>
+        </p:txBody>
+      </p:sp>
+      <p:sp>
+        <p:nvSpPr>
+          <p:cNvPr id="6" name="Content Placeholder 5">
+            <a:extLst>
+              <a:ext uri="{FF2B5EF4-FFF2-40B4-BE49-F238E27FC236}">
+                <a16:creationId xmlns:a16="http://schemas.microsoft.com/office/drawing/2014/main" id="{C71BF8B7-A398-4A8B-A130-0EBEAAE44B84}"/>
+              </a:ext>
+            </a:extLst>
+          </p:cNvPr>
+          <p:cNvSpPr>
+            <a:spLocks noGrp="1"/>
+          </p:cNvSpPr>
+          <p:nvPr>
+            <p:ph sz="half" idx="1"/>
+          </p:nvPr>
+        </p:nvSpPr>
+        <p:spPr>
+          <a:xfrm>
+            <a:off x="1981200" y="1839157"/>
+            <a:ext cx="9372599" cy="1978241"/>
+          </a:xfrm>
+        </p:spPr>
+        <p:txBody>
+          <a:bodyPr>
+            <a:normAutofit lnSpcReduction="10000"/>
+          </a:bodyPr>
+          <a:lstStyle/>
+          <a:p>
+            <a:r>
+              <a:rPr lang="en-IN" sz="4800" dirty="0"/>
+              <a:t>Is same as simple linear regression but it has many independent variables.</a:t>
+            </a:r>
+          </a:p>
+        </p:txBody>
+      </p:sp>
+      <p:sp>
+        <p:nvSpPr>
+          <p:cNvPr id="8" name="Rectangle 7">
+            <a:extLst>
+              <a:ext uri="{FF2B5EF4-FFF2-40B4-BE49-F238E27FC236}">
+                <a16:creationId xmlns:a16="http://schemas.microsoft.com/office/drawing/2014/main" id="{A841E2A3-5B05-4B26-8761-DF9DE33F6A89}"/>
+              </a:ext>
+            </a:extLst>
+          </p:cNvPr>
+          <p:cNvSpPr/>
+          <p:nvPr/>
+        </p:nvSpPr>
+        <p:spPr>
+          <a:xfrm>
+            <a:off x="1981200" y="4165821"/>
+            <a:ext cx="9232015" cy="923330"/>
+          </a:xfrm>
+          <a:prstGeom prst="rect">
+            <a:avLst/>
+          </a:prstGeom>
+          <a:noFill/>
+        </p:spPr>
+        <p:txBody>
+          <a:bodyPr wrap="none" lIns="91440" tIns="45720" rIns="91440" bIns="45720">
+            <a:spAutoFit/>
+          </a:bodyPr>
+          <a:lstStyle/>
+          <a:p>
+            <a:pPr algn="ctr"/>
+            <a:r>
+              <a:rPr lang="en-US" sz="5400" b="1" cap="none" spc="0" dirty="0">
+                <a:ln w="22225">
+                  <a:solidFill>
+                    <a:schemeClr val="accent2"/>
+                  </a:solidFill>
+                  <a:prstDash val="solid"/>
+                </a:ln>
+                <a:solidFill>
+                  <a:schemeClr val="accent2">
+                    <a:lumMod val="40000"/>
+                    <a:lumOff val="60000"/>
+                  </a:schemeClr>
+                </a:solidFill>
+                <a:effectLst/>
+              </a:rPr>
+              <a:t>y</a:t>
+            </a:r>
+            <a:r>
+              <a:rPr lang="en-US" sz="5400" b="1" dirty="0">
+                <a:ln w="22225">
+                  <a:solidFill>
+                    <a:schemeClr val="accent2"/>
+                  </a:solidFill>
+                  <a:prstDash val="solid"/>
+                </a:ln>
+                <a:solidFill>
+                  <a:schemeClr val="accent2">
+                    <a:lumMod val="40000"/>
+                    <a:lumOff val="60000"/>
+                  </a:schemeClr>
+                </a:solidFill>
+              </a:rPr>
+              <a:t> = b0 + b1x1 + b2x2 + … + bnxn</a:t>
+            </a:r>
+            <a:endParaRPr lang="en-US" sz="5400" b="1" cap="none" spc="0" dirty="0">
+              <a:ln w="22225">
+                <a:solidFill>
+                  <a:schemeClr val="accent2"/>
+                </a:solidFill>
+                <a:prstDash val="solid"/>
+              </a:ln>
+              <a:solidFill>
+                <a:schemeClr val="accent2">
+                  <a:lumMod val="40000"/>
+                  <a:lumOff val="60000"/>
+                </a:schemeClr>
+              </a:solidFill>
+              <a:effectLst/>
+            </a:endParaRPr>
+          </a:p>
+        </p:txBody>
+      </p:sp>
+    </p:spTree>
+    <p:extLst>
+      <p:ext uri="{BB962C8B-B14F-4D97-AF65-F5344CB8AC3E}">
+        <p14:creationId xmlns:p14="http://schemas.microsoft.com/office/powerpoint/2010/main" val="1475780861"/>
       </p:ext>
     </p:extLst>
   </p:cSld>
@@ -5286,7 +5599,7 @@
         <p:spPr>
           <a:xfrm>
             <a:off x="2139518" y="1970843"/>
-            <a:ext cx="9372600" cy="646331"/>
+            <a:ext cx="9372600" cy="954107"/>
           </a:xfrm>
           <a:prstGeom prst="rect">
             <a:avLst/>
@@ -5300,7 +5613,7 @@
           <a:lstStyle/>
           <a:p>
             <a:r>
-              <a:rPr lang="en-IN" dirty="0"/>
+              <a:rPr lang="en-IN" sz="2800" dirty="0"/>
               <a:t>In supervised machine learning the training data will contain desired outputs. A typical example would be a spam filter.</a:t>
             </a:r>
           </a:p>
@@ -5334,7 +5647,7 @@
         </p:blipFill>
         <p:spPr>
           <a:xfrm>
-            <a:off x="3557449" y="2911617"/>
+            <a:off x="3228975" y="3057525"/>
             <a:ext cx="5734050" cy="3419475"/>
           </a:xfrm>
           <a:prstGeom prst="rect">
@@ -5386,7 +5699,13 @@
       </p:grpSpPr>
       <p:sp>
         <p:nvSpPr>
-          <p:cNvPr id="2" name="Title 1"/>
+          <p:cNvPr id="6" name="Title 5">
+            <a:extLst>
+              <a:ext uri="{FF2B5EF4-FFF2-40B4-BE49-F238E27FC236}">
+                <a16:creationId xmlns:a16="http://schemas.microsoft.com/office/drawing/2014/main" id="{5D39C9C0-7662-429B-9846-167C2011B86F}"/>
+              </a:ext>
+            </a:extLst>
+          </p:cNvPr>
           <p:cNvSpPr>
             <a:spLocks noGrp="1"/>
           </p:cNvSpPr>
@@ -5394,56 +5713,108 @@
             <p:ph type="title"/>
           </p:nvPr>
         </p:nvSpPr>
-        <p:spPr/>
+        <p:spPr>
+          <a:xfrm>
+            <a:off x="257452" y="408993"/>
+            <a:ext cx="11102905" cy="807248"/>
+          </a:xfrm>
+        </p:spPr>
         <p:txBody>
           <a:bodyPr/>
           <a:lstStyle/>
           <a:p>
             <a:r>
-              <a:rPr lang="en-US" dirty="0"/>
-              <a:t>Add a Slide Title - 4</a:t>
-            </a:r>
-          </a:p>
-        </p:txBody>
-      </p:sp>
-      <p:sp>
-        <p:nvSpPr>
-          <p:cNvPr id="3" name="Content Placeholder 2"/>
-          <p:cNvSpPr>
-            <a:spLocks noGrp="1"/>
-          </p:cNvSpPr>
-          <p:nvPr>
-            <p:ph idx="1"/>
-          </p:nvPr>
-        </p:nvSpPr>
-        <p:spPr/>
-        <p:txBody>
-          <a:bodyPr/>
+              <a:rPr lang="en-IN" dirty="0"/>
+              <a:t>Regression</a:t>
+            </a:r>
+          </a:p>
+        </p:txBody>
+      </p:sp>
+      <p:sp>
+        <p:nvSpPr>
+          <p:cNvPr id="7" name="TextBox 6">
+            <a:extLst>
+              <a:ext uri="{FF2B5EF4-FFF2-40B4-BE49-F238E27FC236}">
+                <a16:creationId xmlns:a16="http://schemas.microsoft.com/office/drawing/2014/main" id="{DB6146E1-943C-4CBF-AF77-035F4F43C92B}"/>
+              </a:ext>
+            </a:extLst>
+          </p:cNvPr>
+          <p:cNvSpPr txBox="1"/>
+          <p:nvPr/>
+        </p:nvSpPr>
+        <p:spPr>
+          <a:xfrm>
+            <a:off x="417250" y="1322773"/>
+            <a:ext cx="11102905" cy="1754326"/>
+          </a:xfrm>
+          <a:prstGeom prst="rect">
+            <a:avLst/>
+          </a:prstGeom>
+          <a:noFill/>
+        </p:spPr>
+        <p:txBody>
+          <a:bodyPr wrap="square" rtlCol="0">
+            <a:spAutoFit/>
+          </a:bodyPr>
           <a:lstStyle/>
           <a:p>
-            <a:endParaRPr lang="en-US" dirty="0"/>
-          </a:p>
-        </p:txBody>
-      </p:sp>
-      <p:sp>
-        <p:nvSpPr>
-          <p:cNvPr id="4" name="Text Placeholder 3"/>
-          <p:cNvSpPr>
-            <a:spLocks noGrp="1"/>
-          </p:cNvSpPr>
-          <p:nvPr>
-            <p:ph type="body" sz="half" idx="2"/>
-          </p:nvPr>
-        </p:nvSpPr>
-        <p:spPr/>
-        <p:txBody>
-          <a:bodyPr/>
-          <a:lstStyle/>
-          <a:p>
-            <a:endParaRPr lang="en-US" dirty="0"/>
-          </a:p>
-        </p:txBody>
-      </p:sp>
+            <a:pPr marL="285750" indent="-285750">
+              <a:buFont typeface="Arial" panose="020B0604020202020204" pitchFamily="34" charset="0"/>
+              <a:buChar char="•"/>
+            </a:pPr>
+            <a:r>
+              <a:rPr lang="en-IN" sz="3600" dirty="0"/>
+              <a:t>Regression is used to forecast future values from the training dataset.</a:t>
+            </a:r>
+          </a:p>
+          <a:p>
+            <a:pPr marL="285750" indent="-285750">
+              <a:buFont typeface="Arial" panose="020B0604020202020204" pitchFamily="34" charset="0"/>
+              <a:buChar char="•"/>
+            </a:pPr>
+            <a:r>
+              <a:rPr lang="en-IN" sz="3600" dirty="0"/>
+              <a:t>Example whether forecast, share market prediction etc.,</a:t>
+            </a:r>
+          </a:p>
+        </p:txBody>
+      </p:sp>
+      <p:pic>
+        <p:nvPicPr>
+          <p:cNvPr id="11" name="Picture 10">
+            <a:extLst>
+              <a:ext uri="{FF2B5EF4-FFF2-40B4-BE49-F238E27FC236}">
+                <a16:creationId xmlns:a16="http://schemas.microsoft.com/office/drawing/2014/main" id="{271278DF-C1F3-452A-B1E3-0925CFDE8344}"/>
+              </a:ext>
+            </a:extLst>
+          </p:cNvPr>
+          <p:cNvPicPr>
+            <a:picLocks noChangeAspect="1"/>
+          </p:cNvPicPr>
+          <p:nvPr/>
+        </p:nvPicPr>
+        <p:blipFill>
+          <a:blip r:embed="rId2">
+            <a:extLst>
+              <a:ext uri="{28A0092B-C50C-407E-A947-70E740481C1C}">
+                <a14:useLocalDpi xmlns:a14="http://schemas.microsoft.com/office/drawing/2010/main" val="0"/>
+              </a:ext>
+            </a:extLst>
+          </a:blip>
+          <a:stretch>
+            <a:fillRect/>
+          </a:stretch>
+        </p:blipFill>
+        <p:spPr>
+          <a:xfrm>
+            <a:off x="541537" y="3486150"/>
+            <a:ext cx="8972550" cy="3371850"/>
+          </a:xfrm>
+          <a:prstGeom prst="rect">
+            <a:avLst/>
+          </a:prstGeom>
+        </p:spPr>
+      </p:pic>
     </p:spTree>
     <p:extLst>
       <p:ext uri="{BB962C8B-B14F-4D97-AF65-F5344CB8AC3E}">
